--- a/MordorDB.pptx
+++ b/MordorDB.pptx
@@ -12,7 +12,8 @@
     <p:sldId id="260" r:id="rId6"/>
     <p:sldId id="261" r:id="rId7"/>
     <p:sldId id="262" r:id="rId8"/>
-    <p:sldId id="263" r:id="rId9"/>
+    <p:sldId id="264" r:id="rId9"/>
+    <p:sldId id="263" r:id="rId10"/>
   </p:sldIdLst>
   <p:sldSz cx="12192000" cy="6858000"/>
   <p:notesSz cx="6858000" cy="9144000"/>
@@ -245,7 +246,7 @@
           <a:p>
             <a:fld id="{B025E179-7208-45D7-B669-C9B22E1C6F40}" type="datetimeFigureOut">
               <a:rPr lang="en-US" smtClean="0"/>
-              <a:t>4/21/2015</a:t>
+              <a:t>4/22/2015</a:t>
             </a:fld>
             <a:endParaRPr lang="en-US"/>
           </a:p>
@@ -415,7 +416,7 @@
           <a:p>
             <a:fld id="{B025E179-7208-45D7-B669-C9B22E1C6F40}" type="datetimeFigureOut">
               <a:rPr lang="en-US" smtClean="0"/>
-              <a:t>4/21/2015</a:t>
+              <a:t>4/22/2015</a:t>
             </a:fld>
             <a:endParaRPr lang="en-US"/>
           </a:p>
@@ -595,7 +596,7 @@
           <a:p>
             <a:fld id="{B025E179-7208-45D7-B669-C9B22E1C6F40}" type="datetimeFigureOut">
               <a:rPr lang="en-US" smtClean="0"/>
-              <a:t>4/21/2015</a:t>
+              <a:t>4/22/2015</a:t>
             </a:fld>
             <a:endParaRPr lang="en-US"/>
           </a:p>
@@ -765,7 +766,7 @@
           <a:p>
             <a:fld id="{B025E179-7208-45D7-B669-C9B22E1C6F40}" type="datetimeFigureOut">
               <a:rPr lang="en-US" smtClean="0"/>
-              <a:t>4/21/2015</a:t>
+              <a:t>4/22/2015</a:t>
             </a:fld>
             <a:endParaRPr lang="en-US"/>
           </a:p>
@@ -1011,7 +1012,7 @@
           <a:p>
             <a:fld id="{B025E179-7208-45D7-B669-C9B22E1C6F40}" type="datetimeFigureOut">
               <a:rPr lang="en-US" smtClean="0"/>
-              <a:t>4/21/2015</a:t>
+              <a:t>4/22/2015</a:t>
             </a:fld>
             <a:endParaRPr lang="en-US"/>
           </a:p>
@@ -1243,7 +1244,7 @@
           <a:p>
             <a:fld id="{B025E179-7208-45D7-B669-C9B22E1C6F40}" type="datetimeFigureOut">
               <a:rPr lang="en-US" smtClean="0"/>
-              <a:t>4/21/2015</a:t>
+              <a:t>4/22/2015</a:t>
             </a:fld>
             <a:endParaRPr lang="en-US"/>
           </a:p>
@@ -1610,7 +1611,7 @@
           <a:p>
             <a:fld id="{B025E179-7208-45D7-B669-C9B22E1C6F40}" type="datetimeFigureOut">
               <a:rPr lang="en-US" smtClean="0"/>
-              <a:t>4/21/2015</a:t>
+              <a:t>4/22/2015</a:t>
             </a:fld>
             <a:endParaRPr lang="en-US"/>
           </a:p>
@@ -1728,7 +1729,7 @@
           <a:p>
             <a:fld id="{B025E179-7208-45D7-B669-C9B22E1C6F40}" type="datetimeFigureOut">
               <a:rPr lang="en-US" smtClean="0"/>
-              <a:t>4/21/2015</a:t>
+              <a:t>4/22/2015</a:t>
             </a:fld>
             <a:endParaRPr lang="en-US"/>
           </a:p>
@@ -1823,7 +1824,7 @@
           <a:p>
             <a:fld id="{B025E179-7208-45D7-B669-C9B22E1C6F40}" type="datetimeFigureOut">
               <a:rPr lang="en-US" smtClean="0"/>
-              <a:t>4/21/2015</a:t>
+              <a:t>4/22/2015</a:t>
             </a:fld>
             <a:endParaRPr lang="en-US"/>
           </a:p>
@@ -2100,7 +2101,7 @@
           <a:p>
             <a:fld id="{B025E179-7208-45D7-B669-C9B22E1C6F40}" type="datetimeFigureOut">
               <a:rPr lang="en-US" smtClean="0"/>
-              <a:t>4/21/2015</a:t>
+              <a:t>4/22/2015</a:t>
             </a:fld>
             <a:endParaRPr lang="en-US"/>
           </a:p>
@@ -2353,7 +2354,7 @@
           <a:p>
             <a:fld id="{B025E179-7208-45D7-B669-C9B22E1C6F40}" type="datetimeFigureOut">
               <a:rPr lang="en-US" smtClean="0"/>
-              <a:t>4/21/2015</a:t>
+              <a:t>4/22/2015</a:t>
             </a:fld>
             <a:endParaRPr lang="en-US"/>
           </a:p>
@@ -2566,7 +2567,7 @@
           <a:p>
             <a:fld id="{B025E179-7208-45D7-B669-C9B22E1C6F40}" type="datetimeFigureOut">
               <a:rPr lang="en-US" smtClean="0"/>
-              <a:t>4/21/2015</a:t>
+              <a:t>4/22/2015</a:t>
             </a:fld>
             <a:endParaRPr lang="en-US"/>
           </a:p>
@@ -3317,8 +3318,13 @@
             </a:pPr>
             <a:r>
               <a:rPr lang="en-US" dirty="0"/>
-              <a:t>Indexes are implemented using B+ trees. The user can create an index on any collection or sub-collection. If the user’s query only contains items that are in an index, that index will be used with referring back to the base collection.</a:t>
-            </a:r>
+              <a:t>Indexes are implemented using B+ trees. The user can create an index on any collection or sub-collection. </a:t>
+            </a:r>
+            <a:r>
+              <a:rPr lang="en-US" dirty="0" smtClean="0"/>
+              <a:t>Indexes can help speed up range queries or aggregates.</a:t>
+            </a:r>
+            <a:endParaRPr lang="en-US" dirty="0"/>
           </a:p>
           <a:p>
             <a:pPr marL="0" indent="0">
@@ -3532,8 +3538,12 @@
               <a:buNone/>
             </a:pPr>
             <a:r>
+              <a:rPr lang="en-US" b="1" dirty="0" smtClean="0"/>
+              <a:t>query </a:t>
+            </a:r>
+            <a:r>
               <a:rPr lang="en-US" b="1" dirty="0"/>
-              <a:t>Query help</a:t>
+              <a:t>help</a:t>
             </a:r>
             <a:r>
               <a:rPr lang="en-US" dirty="0"/>
@@ -3635,7 +3645,15 @@
             <a:pPr lvl="1"/>
             <a:r>
               <a:rPr lang="en-US" b="1" dirty="0"/>
-              <a:t>select students.1.firstname;  </a:t>
+              <a:t>select </a:t>
+            </a:r>
+            <a:r>
+              <a:rPr lang="en-US" b="1" dirty="0" err="1" smtClean="0"/>
+              <a:t>students.jschmoe.firstname</a:t>
+            </a:r>
+            <a:r>
+              <a:rPr lang="en-US" b="1" dirty="0"/>
+              <a:t>;  </a:t>
             </a:r>
           </a:p>
           <a:p>
@@ -3694,8 +3712,9 @@
             </a:r>
             <a:r>
               <a:rPr lang="en-US" b="1" dirty="0" smtClean="0"/>
-              <a:t>Joel;</a:t>
-            </a:r>
+              <a:t>"Joel";</a:t>
+            </a:r>
+            <a:endParaRPr lang="en-US" b="1" dirty="0" smtClean="0"/>
           </a:p>
           <a:p>
             <a:pPr lvl="1"/>
@@ -3824,23 +3843,23 @@
             <a:pPr lvl="1"/>
             <a:r>
               <a:rPr lang="en-US" b="1" dirty="0"/>
-              <a:t>select </a:t>
-            </a:r>
-            <a:r>
-              <a:rPr lang="en-US" b="1" dirty="0" err="1"/>
-              <a:t>students.first</a:t>
+              <a:t>select students</a:t>
+            </a:r>
+            <a:r>
+              <a:rPr lang="en-US" b="1" dirty="0" smtClean="0"/>
+              <a:t>.*.first </a:t>
             </a:r>
             <a:r>
               <a:rPr lang="en-US" b="1" dirty="0"/>
-              <a:t> where </a:t>
-            </a:r>
-            <a:r>
-              <a:rPr lang="en-US" b="1" dirty="0" err="1"/>
-              <a:t>students.last</a:t>
+              <a:t>where students</a:t>
+            </a:r>
+            <a:r>
+              <a:rPr lang="en-US" b="1" dirty="0" smtClean="0"/>
+              <a:t>.*.last </a:t>
             </a:r>
             <a:r>
               <a:rPr lang="en-US" b="1" dirty="0"/>
-              <a:t> == “</a:t>
+              <a:t>== “</a:t>
             </a:r>
             <a:r>
               <a:rPr lang="en-US" b="1" dirty="0" err="1"/>
@@ -3855,9 +3874,58 @@
           <a:p>
             <a:r>
               <a:rPr lang="en-US" dirty="0" smtClean="0"/>
-              <a:t>Aggregates</a:t>
-            </a:r>
-            <a:endParaRPr lang="en-US" dirty="0"/>
+              <a:t>Aggregates (min, max, sum, average, count)</a:t>
+            </a:r>
+          </a:p>
+          <a:p>
+            <a:pPr lvl="1"/>
+            <a:r>
+              <a:rPr lang="en-US" b="1" dirty="0" smtClean="0"/>
+              <a:t>select coun</a:t>
+            </a:r>
+            <a:r>
+              <a:rPr lang="en-US" b="1" dirty="0" smtClean="0"/>
+              <a:t>t students.* where students.*.id &gt; 1000;</a:t>
+            </a:r>
+          </a:p>
+          <a:p>
+            <a:r>
+              <a:rPr lang="en-US" dirty="0" smtClean="0"/>
+              <a:t>Indexes</a:t>
+            </a:r>
+          </a:p>
+          <a:p>
+            <a:pPr lvl="1"/>
+            <a:r>
+              <a:rPr lang="en-US" b="1" dirty="0" smtClean="0"/>
+              <a:t>index students.*.id;</a:t>
+            </a:r>
+          </a:p>
+          <a:p>
+            <a:pPr lvl="1"/>
+            <a:r>
+              <a:rPr lang="en-US" b="1" dirty="0" smtClean="0"/>
+              <a:t>select students.* where students.*.id &gt; 10 and students.*.id &lt; 1000;</a:t>
+            </a:r>
+          </a:p>
+          <a:p>
+            <a:pPr lvl="2"/>
+            <a:r>
+              <a:rPr lang="en-US" dirty="0" smtClean="0"/>
+              <a:t>Uses the previous index</a:t>
+            </a:r>
+          </a:p>
+          <a:p>
+            <a:pPr lvl="1"/>
+            <a:r>
+              <a:rPr lang="en-US" b="1" dirty="0" err="1" smtClean="0"/>
+              <a:t>deleteindex</a:t>
+            </a:r>
+            <a:r>
+              <a:rPr lang="en-US" b="1" dirty="0" smtClean="0"/>
+              <a:t> students.*.id;</a:t>
+            </a:r>
+            <a:endParaRPr lang="en-US" b="1" dirty="0"/>
           </a:p>
         </p:txBody>
       </p:sp>
@@ -3875,6 +3943,115 @@
 </file>
 
 <file path=ppt/slides/slide8.xml><?xml version="1.0" encoding="utf-8"?>
+<p:sld xmlns:a="http://schemas.openxmlformats.org/drawingml/2006/main" xmlns:r="http://schemas.openxmlformats.org/officeDocument/2006/relationships" xmlns:p="http://schemas.openxmlformats.org/presentationml/2006/main">
+  <p:cSld>
+    <p:spTree>
+      <p:nvGrpSpPr>
+        <p:cNvPr id="1" name=""/>
+        <p:cNvGrpSpPr/>
+        <p:nvPr/>
+      </p:nvGrpSpPr>
+      <p:grpSpPr>
+        <a:xfrm>
+          <a:off x="0" y="0"/>
+          <a:ext cx="0" cy="0"/>
+          <a:chOff x="0" y="0"/>
+          <a:chExt cx="0" cy="0"/>
+        </a:xfrm>
+      </p:grpSpPr>
+      <p:sp>
+        <p:nvSpPr>
+          <p:cNvPr id="2" name="Title 1"/>
+          <p:cNvSpPr>
+            <a:spLocks noGrp="1"/>
+          </p:cNvSpPr>
+          <p:nvPr>
+            <p:ph type="title"/>
+          </p:nvPr>
+        </p:nvSpPr>
+        <p:spPr/>
+        <p:txBody>
+          <a:bodyPr/>
+          <a:lstStyle/>
+          <a:p>
+            <a:r>
+              <a:rPr lang="en-US" dirty="0" smtClean="0"/>
+              <a:t>Future Improvements</a:t>
+            </a:r>
+            <a:endParaRPr lang="en-US" dirty="0"/>
+          </a:p>
+        </p:txBody>
+      </p:sp>
+      <p:sp>
+        <p:nvSpPr>
+          <p:cNvPr id="3" name="Content Placeholder 2"/>
+          <p:cNvSpPr>
+            <a:spLocks noGrp="1"/>
+          </p:cNvSpPr>
+          <p:nvPr>
+            <p:ph idx="1"/>
+          </p:nvPr>
+        </p:nvSpPr>
+        <p:spPr/>
+        <p:txBody>
+          <a:bodyPr/>
+          <a:lstStyle/>
+          <a:p>
+            <a:r>
+              <a:rPr lang="en-US" dirty="0" smtClean="0"/>
+              <a:t>Where clause should support "or" and parenthesis.</a:t>
+            </a:r>
+          </a:p>
+          <a:p>
+            <a:r>
+              <a:rPr lang="en-US" dirty="0" smtClean="0"/>
+              <a:t>Write to disk in batches – if the database is too large, an </a:t>
+            </a:r>
+            <a:r>
+              <a:rPr lang="en-US" dirty="0" err="1" smtClean="0"/>
+              <a:t>OutOfMemoryException</a:t>
+            </a:r>
+            <a:r>
+              <a:rPr lang="en-US" dirty="0" smtClean="0"/>
+              <a:t> can occur while creating the JSON string to write to disk.</a:t>
+            </a:r>
+          </a:p>
+          <a:p>
+            <a:r>
+              <a:rPr lang="en-US" dirty="0" smtClean="0"/>
+              <a:t>The database is stored in memory – if it gets too large, collections should be partitioned into multiple files which will be unloaded from memory when not in use.</a:t>
+            </a:r>
+          </a:p>
+          <a:p>
+            <a:r>
+              <a:rPr lang="en-US" dirty="0" smtClean="0"/>
+              <a:t>Indexes don't work well yet </a:t>
+            </a:r>
+            <a:r>
+              <a:rPr lang="en-US" smtClean="0"/>
+              <a:t>with non-count aggregates </a:t>
+            </a:r>
+            <a:r>
+              <a:rPr lang="en-US" dirty="0" smtClean="0"/>
+              <a:t>– this is due to a negative interaction between the way filters and indexes are implemented.</a:t>
+            </a:r>
+          </a:p>
+        </p:txBody>
+      </p:sp>
+    </p:spTree>
+    <p:extLst>
+      <p:ext uri="{BB962C8B-B14F-4D97-AF65-F5344CB8AC3E}">
+        <p14:creationId xmlns:p14="http://schemas.microsoft.com/office/powerpoint/2010/main" val="1396281422"/>
+      </p:ext>
+    </p:extLst>
+  </p:cSld>
+  <p:clrMapOvr>
+    <a:masterClrMapping/>
+  </p:clrMapOvr>
+</p:sld>
+</file>
+
+<file path=ppt/slides/slide9.xml><?xml version="1.0" encoding="utf-8"?>
 <p:sld xmlns:a="http://schemas.openxmlformats.org/drawingml/2006/main" xmlns:r="http://schemas.openxmlformats.org/officeDocument/2006/relationships" xmlns:p="http://schemas.openxmlformats.org/presentationml/2006/main">
   <p:cSld>
     <p:spTree>
@@ -4190,7 +4367,7 @@
   <a:extraClrSchemeLst/>
   <a:extLst>
     <a:ext uri="{05A4C25C-085E-4340-85A3-A5531E510DB2}">
-      <thm15:themeFamily xmlns:thm15="http://schemas.microsoft.com/office/thememl/2012/main" name="Office Theme" id="{62F939B6-93AF-4DB8-9C6B-D6C7DFDC589F}" vid="{4A3C46E8-61CC-4603-A589-7422A47A8E4A}"/>
+      <thm15:themeFamily xmlns:thm15="http://schemas.microsoft.com/office/thememl/2012/main" xmlns="" name="Office Theme" id="{62F939B6-93AF-4DB8-9C6B-D6C7DFDC589F}" vid="{4A3C46E8-61CC-4603-A589-7422A47A8E4A}"/>
     </a:ext>
   </a:extLst>
 </a:theme>
